--- a/CalendarioAgo20/Presentaciones/4_ModeloTCP_IP.pptx
+++ b/CalendarioAgo20/Presentaciones/4_ModeloTCP_IP.pptx
@@ -221,7 +221,7 @@
           <a:p>
             <a:fld id="{2D445F07-8756-451B-A938-0248325FC7BB}" type="datetimeFigureOut">
               <a:rPr lang="es-MX" smtClean="0"/>
-              <a:t>24/01/2019</a:t>
+              <a:t>21/08/2020</a:t>
             </a:fld>
             <a:endParaRPr lang="es-MX" dirty="0"/>
           </a:p>
@@ -1101,7 +1101,7 @@
           <a:p>
             <a:fld id="{5E75A0DC-66C6-4CEC-A5EB-F8C97CEC3796}" type="datetimeFigureOut">
               <a:rPr lang="es-MX" smtClean="0"/>
-              <a:t>24/01/2019</a:t>
+              <a:t>21/08/2020</a:t>
             </a:fld>
             <a:endParaRPr lang="es-MX" dirty="0"/>
           </a:p>
@@ -1271,7 +1271,7 @@
           <a:p>
             <a:fld id="{5E75A0DC-66C6-4CEC-A5EB-F8C97CEC3796}" type="datetimeFigureOut">
               <a:rPr lang="es-MX" smtClean="0"/>
-              <a:t>24/01/2019</a:t>
+              <a:t>21/08/2020</a:t>
             </a:fld>
             <a:endParaRPr lang="es-MX" dirty="0"/>
           </a:p>
@@ -1451,7 +1451,7 @@
           <a:p>
             <a:fld id="{5E75A0DC-66C6-4CEC-A5EB-F8C97CEC3796}" type="datetimeFigureOut">
               <a:rPr lang="es-MX" smtClean="0"/>
-              <a:t>24/01/2019</a:t>
+              <a:t>21/08/2020</a:t>
             </a:fld>
             <a:endParaRPr lang="es-MX" dirty="0"/>
           </a:p>
@@ -1621,7 +1621,7 @@
           <a:p>
             <a:fld id="{5E75A0DC-66C6-4CEC-A5EB-F8C97CEC3796}" type="datetimeFigureOut">
               <a:rPr lang="es-MX" smtClean="0"/>
-              <a:t>24/01/2019</a:t>
+              <a:t>21/08/2020</a:t>
             </a:fld>
             <a:endParaRPr lang="es-MX" dirty="0"/>
           </a:p>
@@ -1867,7 +1867,7 @@
           <a:p>
             <a:fld id="{5E75A0DC-66C6-4CEC-A5EB-F8C97CEC3796}" type="datetimeFigureOut">
               <a:rPr lang="es-MX" smtClean="0"/>
-              <a:t>24/01/2019</a:t>
+              <a:t>21/08/2020</a:t>
             </a:fld>
             <a:endParaRPr lang="es-MX" dirty="0"/>
           </a:p>
@@ -2155,7 +2155,7 @@
           <a:p>
             <a:fld id="{5E75A0DC-66C6-4CEC-A5EB-F8C97CEC3796}" type="datetimeFigureOut">
               <a:rPr lang="es-MX" smtClean="0"/>
-              <a:t>24/01/2019</a:t>
+              <a:t>21/08/2020</a:t>
             </a:fld>
             <a:endParaRPr lang="es-MX" dirty="0"/>
           </a:p>
@@ -2577,7 +2577,7 @@
           <a:p>
             <a:fld id="{5E75A0DC-66C6-4CEC-A5EB-F8C97CEC3796}" type="datetimeFigureOut">
               <a:rPr lang="es-MX" smtClean="0"/>
-              <a:t>24/01/2019</a:t>
+              <a:t>21/08/2020</a:t>
             </a:fld>
             <a:endParaRPr lang="es-MX" dirty="0"/>
           </a:p>
@@ -2695,7 +2695,7 @@
           <a:p>
             <a:fld id="{5E75A0DC-66C6-4CEC-A5EB-F8C97CEC3796}" type="datetimeFigureOut">
               <a:rPr lang="es-MX" smtClean="0"/>
-              <a:t>24/01/2019</a:t>
+              <a:t>21/08/2020</a:t>
             </a:fld>
             <a:endParaRPr lang="es-MX" dirty="0"/>
           </a:p>
@@ -2790,7 +2790,7 @@
           <a:p>
             <a:fld id="{5E75A0DC-66C6-4CEC-A5EB-F8C97CEC3796}" type="datetimeFigureOut">
               <a:rPr lang="es-MX" smtClean="0"/>
-              <a:t>24/01/2019</a:t>
+              <a:t>21/08/2020</a:t>
             </a:fld>
             <a:endParaRPr lang="es-MX" dirty="0"/>
           </a:p>
@@ -3067,7 +3067,7 @@
           <a:p>
             <a:fld id="{5E75A0DC-66C6-4CEC-A5EB-F8C97CEC3796}" type="datetimeFigureOut">
               <a:rPr lang="es-MX" smtClean="0"/>
-              <a:t>24/01/2019</a:t>
+              <a:t>21/08/2020</a:t>
             </a:fld>
             <a:endParaRPr lang="es-MX" dirty="0"/>
           </a:p>
@@ -3320,7 +3320,7 @@
           <a:p>
             <a:fld id="{5E75A0DC-66C6-4CEC-A5EB-F8C97CEC3796}" type="datetimeFigureOut">
               <a:rPr lang="es-MX" smtClean="0"/>
-              <a:t>24/01/2019</a:t>
+              <a:t>21/08/2020</a:t>
             </a:fld>
             <a:endParaRPr lang="es-MX" dirty="0"/>
           </a:p>
@@ -3533,7 +3533,7 @@
           <a:p>
             <a:fld id="{5E75A0DC-66C6-4CEC-A5EB-F8C97CEC3796}" type="datetimeFigureOut">
               <a:rPr lang="es-MX" smtClean="0"/>
-              <a:t>24/01/2019</a:t>
+              <a:t>21/08/2020</a:t>
             </a:fld>
             <a:endParaRPr lang="es-MX" dirty="0"/>
           </a:p>
@@ -4253,7 +4253,7 @@
           <a:graphicData uri="http://schemas.openxmlformats.org/presentationml/2006/ole">
             <mc:AlternateContent xmlns:mc="http://schemas.openxmlformats.org/markup-compatibility/2006">
               <mc:Choice xmlns:v="urn:schemas-microsoft-com:vml" Requires="v">
-                <p:oleObj spid="_x0000_s29714" name="Imagen de mapa de bits" r:id="rId4" imgW="1552792" imgH="1638529" progId="Paint.Picture">
+                <p:oleObj spid="_x0000_s29715" name="Imagen de mapa de bits" r:id="rId4" imgW="1552792" imgH="1638529" progId="Paint.Picture">
                   <p:embed/>
                 </p:oleObj>
               </mc:Choice>
@@ -4507,7 +4507,7 @@
           <a:graphicData uri="http://schemas.openxmlformats.org/presentationml/2006/ole">
             <mc:AlternateContent xmlns:mc="http://schemas.openxmlformats.org/markup-compatibility/2006">
               <mc:Choice xmlns:v="urn:schemas-microsoft-com:vml" Requires="v">
-                <p:oleObj spid="_x0000_s30737" name="Imagen de mapa de bits" r:id="rId4" imgW="1514686" imgH="1619476" progId="Paint.Picture">
+                <p:oleObj spid="_x0000_s30738" name="Imagen de mapa de bits" r:id="rId4" imgW="1514686" imgH="1619476" progId="Paint.Picture">
                   <p:embed/>
                 </p:oleObj>
               </mc:Choice>
@@ -4892,7 +4892,7 @@
                   </a:schemeClr>
                 </a:solidFill>
               </a:rPr>
-              <a:t> representan los estándares en base a los cuales se ha desarrollado la </a:t>
+              <a:t> representan los estándares en base a los cuales se ha desarrollado el </a:t>
             </a:r>
             <a:r>
               <a:rPr lang="es-MX" altLang="es-MX" sz="1800" b="1" noProof="1">
@@ -5779,7 +5779,7 @@
           <a:graphicData uri="http://schemas.openxmlformats.org/presentationml/2006/ole">
             <mc:AlternateContent xmlns:mc="http://schemas.openxmlformats.org/markup-compatibility/2006">
               <mc:Choice xmlns:v="urn:schemas-microsoft-com:vml" Requires="v">
-                <p:oleObj spid="_x0000_s5171" name="Bitmap Image" r:id="rId3" imgW="1752475" imgH="2400653" progId="Paint.Picture">
+                <p:oleObj spid="_x0000_s5172" name="Bitmap Image" r:id="rId3" imgW="1752475" imgH="2400653" progId="Paint.Picture">
                   <p:embed/>
                 </p:oleObj>
               </mc:Choice>
@@ -6562,7 +6562,7 @@
           <a:graphicData uri="http://schemas.openxmlformats.org/presentationml/2006/ole">
             <mc:AlternateContent xmlns:mc="http://schemas.openxmlformats.org/markup-compatibility/2006">
               <mc:Choice xmlns:v="urn:schemas-microsoft-com:vml" Requires="v">
-                <p:oleObj spid="_x0000_s23570" name="Imagen de mapa de bits" r:id="rId3" imgW="1609524" imgH="1743318" progId="Paint.Picture">
+                <p:oleObj spid="_x0000_s23571" name="Imagen de mapa de bits" r:id="rId3" imgW="1609524" imgH="1743318" progId="Paint.Picture">
                   <p:embed/>
                 </p:oleObj>
               </mc:Choice>
@@ -6918,7 +6918,7 @@
           <a:graphicData uri="http://schemas.openxmlformats.org/presentationml/2006/ole">
             <mc:AlternateContent xmlns:mc="http://schemas.openxmlformats.org/markup-compatibility/2006">
               <mc:Choice xmlns:v="urn:schemas-microsoft-com:vml" Requires="v">
-                <p:oleObj spid="_x0000_s24594" name="Imagen de mapa de bits" r:id="rId4" imgW="1676634" imgH="1638529" progId="Paint.Picture">
+                <p:oleObj spid="_x0000_s24595" name="Imagen de mapa de bits" r:id="rId4" imgW="1676634" imgH="1638529" progId="Paint.Picture">
                   <p:embed/>
                 </p:oleObj>
               </mc:Choice>
@@ -7212,7 +7212,7 @@
           <a:graphicData uri="http://schemas.openxmlformats.org/presentationml/2006/ole">
             <mc:AlternateContent xmlns:mc="http://schemas.openxmlformats.org/markup-compatibility/2006">
               <mc:Choice xmlns:v="urn:schemas-microsoft-com:vml" Requires="v">
-                <p:oleObj spid="_x0000_s25618" name="Imagen de mapa de bits" r:id="rId4" imgW="1552792" imgH="1638529" progId="Paint.Picture">
+                <p:oleObj spid="_x0000_s25619" name="Imagen de mapa de bits" r:id="rId4" imgW="1552792" imgH="1638529" progId="Paint.Picture">
                   <p:embed/>
                 </p:oleObj>
               </mc:Choice>
@@ -7601,7 +7601,7 @@
           <a:graphicData uri="http://schemas.openxmlformats.org/presentationml/2006/ole">
             <mc:AlternateContent xmlns:mc="http://schemas.openxmlformats.org/markup-compatibility/2006">
               <mc:Choice xmlns:v="urn:schemas-microsoft-com:vml" Requires="v">
-                <p:oleObj spid="_x0000_s26642" name="Imagen de mapa de bits" r:id="rId3" imgW="1514686" imgH="1619476" progId="Paint.Picture">
+                <p:oleObj spid="_x0000_s26643" name="Imagen de mapa de bits" r:id="rId3" imgW="1514686" imgH="1619476" progId="Paint.Picture">
                   <p:embed/>
                 </p:oleObj>
               </mc:Choice>
@@ -7966,7 +7966,7 @@
           <a:graphicData uri="http://schemas.openxmlformats.org/presentationml/2006/ole">
             <mc:AlternateContent xmlns:mc="http://schemas.openxmlformats.org/markup-compatibility/2006">
               <mc:Choice xmlns:v="urn:schemas-microsoft-com:vml" Requires="v">
-                <p:oleObj spid="_x0000_s27666" name="Imagen de mapa de bits" r:id="rId3" imgW="1609524" imgH="1743318" progId="Paint.Picture">
+                <p:oleObj spid="_x0000_s27667" name="Imagen de mapa de bits" r:id="rId3" imgW="1609524" imgH="1743318" progId="Paint.Picture">
                   <p:embed/>
                 </p:oleObj>
               </mc:Choice>
@@ -8277,7 +8277,7 @@
           <a:graphicData uri="http://schemas.openxmlformats.org/presentationml/2006/ole">
             <mc:AlternateContent xmlns:mc="http://schemas.openxmlformats.org/markup-compatibility/2006">
               <mc:Choice xmlns:v="urn:schemas-microsoft-com:vml" Requires="v">
-                <p:oleObj spid="_x0000_s28690" name="Imagen de mapa de bits" r:id="rId4" imgW="1676634" imgH="1638529" progId="Paint.Picture">
+                <p:oleObj spid="_x0000_s28691" name="Imagen de mapa de bits" r:id="rId4" imgW="1676634" imgH="1638529" progId="Paint.Picture">
                   <p:embed/>
                 </p:oleObj>
               </mc:Choice>
